--- a/PPTs/Eid Night Aamaal.pptx
+++ b/PPTs/Eid Night Aamaal.pptx
@@ -594,7 +594,7 @@
               <a:pPr>
                 <a:defRPr/>
               </a:pPr>
-              <a:t>4/9/2024</a:t>
+              <a:t>5/23/2024</a:t>
             </a:fld>
             <a:endParaRPr lang="en-US" dirty="0"/>
           </a:p>
@@ -17285,41 +17285,7 @@
                 <a:ea typeface="Calibri Light" panose="020F0302020204030204" pitchFamily="34" charset="0"/>
                 <a:cs typeface="Calibri Light" panose="020F0302020204030204" pitchFamily="34" charset="0"/>
               </a:rPr>
-              <a:t>And We desired to show </a:t>
-            </a:r>
-            <a:r>
-              <a:rPr kumimoji="0" lang="en-US" sz="1400" b="0" i="1" u="none" strike="noStrike" kern="1200" cap="none" spc="0" normalizeH="0" baseline="0" noProof="0" dirty="0" err="1">
-                <a:ln>
-                  <a:noFill/>
-                </a:ln>
-                <a:solidFill>
-                  <a:srgbClr val="127274"/>
-                </a:solidFill>
-                <a:effectLst/>
-                <a:uLnTx/>
-                <a:uFillTx/>
-                <a:latin typeface="Calibri Light" panose="020F0302020204030204" pitchFamily="34" charset="0"/>
-                <a:ea typeface="Calibri Light" panose="020F0302020204030204" pitchFamily="34" charset="0"/>
-                <a:cs typeface="Calibri Light" panose="020F0302020204030204" pitchFamily="34" charset="0"/>
-              </a:rPr>
-              <a:t>favour</a:t>
-            </a:r>
-            <a:r>
-              <a:rPr kumimoji="0" lang="en-US" sz="1400" b="0" i="1" u="none" strike="noStrike" kern="1200" cap="none" spc="0" normalizeH="0" baseline="0" noProof="0" dirty="0">
-                <a:ln>
-                  <a:noFill/>
-                </a:ln>
-                <a:solidFill>
-                  <a:srgbClr val="127274"/>
-                </a:solidFill>
-                <a:effectLst/>
-                <a:uLnTx/>
-                <a:uFillTx/>
-                <a:latin typeface="Calibri Light" panose="020F0302020204030204" pitchFamily="34" charset="0"/>
-                <a:ea typeface="Calibri Light" panose="020F0302020204030204" pitchFamily="34" charset="0"/>
-                <a:cs typeface="Calibri Light" panose="020F0302020204030204" pitchFamily="34" charset="0"/>
-              </a:rPr>
-              <a:t> upon those who were abased in the land, </a:t>
+              <a:t>And We desired to show favor upon those who were abased in the land, </a:t>
             </a:r>
           </a:p>
           <a:p>
@@ -17425,7 +17391,7 @@
                 <a:ea typeface="Calibri Light" panose="020F0302020204030204" pitchFamily="34" charset="0"/>
                 <a:cs typeface="Calibri Light" panose="020F0302020204030204" pitchFamily="34" charset="0"/>
               </a:rPr>
-              <a:t> : 5)</a:t>
+              <a:t>: 5)</a:t>
             </a:r>
             <a:endParaRPr kumimoji="0" lang="en-CA" sz="1200" b="0" i="1" u="none" strike="noStrike" kern="1200" cap="none" spc="0" normalizeH="0" baseline="0" noProof="0" dirty="0">
               <a:ln>
@@ -20386,41 +20352,7 @@
                 <a:ea typeface="Calibri Light" panose="020F0302020204030204" pitchFamily="34" charset="0"/>
                 <a:cs typeface="Calibri Light" panose="020F0302020204030204" pitchFamily="34" charset="0"/>
               </a:rPr>
-              <a:t>And We desired to show </a:t>
-            </a:r>
-            <a:r>
-              <a:rPr kumimoji="0" lang="en-US" sz="1400" b="0" i="1" u="none" strike="noStrike" kern="1200" cap="none" spc="0" normalizeH="0" baseline="0" noProof="0" dirty="0" err="1">
-                <a:ln>
-                  <a:noFill/>
-                </a:ln>
-                <a:solidFill>
-                  <a:srgbClr val="127274"/>
-                </a:solidFill>
-                <a:effectLst/>
-                <a:uLnTx/>
-                <a:uFillTx/>
-                <a:latin typeface="Calibri Light" panose="020F0302020204030204" pitchFamily="34" charset="0"/>
-                <a:ea typeface="Calibri Light" panose="020F0302020204030204" pitchFamily="34" charset="0"/>
-                <a:cs typeface="Calibri Light" panose="020F0302020204030204" pitchFamily="34" charset="0"/>
-              </a:rPr>
-              <a:t>favour</a:t>
-            </a:r>
-            <a:r>
-              <a:rPr kumimoji="0" lang="en-US" sz="1400" b="0" i="1" u="none" strike="noStrike" kern="1200" cap="none" spc="0" normalizeH="0" baseline="0" noProof="0" dirty="0">
-                <a:ln>
-                  <a:noFill/>
-                </a:ln>
-                <a:solidFill>
-                  <a:srgbClr val="127274"/>
-                </a:solidFill>
-                <a:effectLst/>
-                <a:uLnTx/>
-                <a:uFillTx/>
-                <a:latin typeface="Calibri Light" panose="020F0302020204030204" pitchFamily="34" charset="0"/>
-                <a:ea typeface="Calibri Light" panose="020F0302020204030204" pitchFamily="34" charset="0"/>
-                <a:cs typeface="Calibri Light" panose="020F0302020204030204" pitchFamily="34" charset="0"/>
-              </a:rPr>
-              <a:t> upon those who were abased in the land, </a:t>
+              <a:t>And We desired to show favor upon those who were abased in the land, </a:t>
             </a:r>
           </a:p>
           <a:p>
@@ -20526,7 +20458,7 @@
                 <a:ea typeface="Calibri Light" panose="020F0302020204030204" pitchFamily="34" charset="0"/>
                 <a:cs typeface="Calibri Light" panose="020F0302020204030204" pitchFamily="34" charset="0"/>
               </a:rPr>
-              <a:t> : 5)</a:t>
+              <a:t>: 5)</a:t>
             </a:r>
             <a:endParaRPr kumimoji="0" lang="en-CA" sz="1200" b="0" i="1" u="none" strike="noStrike" kern="1200" cap="none" spc="0" normalizeH="0" baseline="0" noProof="0" dirty="0">
               <a:ln>
@@ -21477,41 +21409,7 @@
                 <a:ea typeface="Calibri Light" panose="020F0302020204030204" pitchFamily="34" charset="0"/>
                 <a:cs typeface="Calibri Light" panose="020F0302020204030204" pitchFamily="34" charset="0"/>
               </a:rPr>
-              <a:t>And We desired to show </a:t>
-            </a:r>
-            <a:r>
-              <a:rPr kumimoji="0" lang="en-US" sz="1400" b="0" i="1" u="none" strike="noStrike" kern="1200" cap="none" spc="0" normalizeH="0" baseline="0" noProof="0" dirty="0" err="1">
-                <a:ln>
-                  <a:noFill/>
-                </a:ln>
-                <a:solidFill>
-                  <a:srgbClr val="127274"/>
-                </a:solidFill>
-                <a:effectLst/>
-                <a:uLnTx/>
-                <a:uFillTx/>
-                <a:latin typeface="Calibri Light" panose="020F0302020204030204" pitchFamily="34" charset="0"/>
-                <a:ea typeface="Calibri Light" panose="020F0302020204030204" pitchFamily="34" charset="0"/>
-                <a:cs typeface="Calibri Light" panose="020F0302020204030204" pitchFamily="34" charset="0"/>
-              </a:rPr>
-              <a:t>favour</a:t>
-            </a:r>
-            <a:r>
-              <a:rPr kumimoji="0" lang="en-US" sz="1400" b="0" i="1" u="none" strike="noStrike" kern="1200" cap="none" spc="0" normalizeH="0" baseline="0" noProof="0" dirty="0">
-                <a:ln>
-                  <a:noFill/>
-                </a:ln>
-                <a:solidFill>
-                  <a:srgbClr val="127274"/>
-                </a:solidFill>
-                <a:effectLst/>
-                <a:uLnTx/>
-                <a:uFillTx/>
-                <a:latin typeface="Calibri Light" panose="020F0302020204030204" pitchFamily="34" charset="0"/>
-                <a:ea typeface="Calibri Light" panose="020F0302020204030204" pitchFamily="34" charset="0"/>
-                <a:cs typeface="Calibri Light" panose="020F0302020204030204" pitchFamily="34" charset="0"/>
-              </a:rPr>
-              <a:t> upon those who were abased in the land, </a:t>
+              <a:t>And We desired to show favor upon those who were abased in the land, </a:t>
             </a:r>
           </a:p>
           <a:p>
@@ -21617,7 +21515,7 @@
                 <a:ea typeface="Calibri Light" panose="020F0302020204030204" pitchFamily="34" charset="0"/>
                 <a:cs typeface="Calibri Light" panose="020F0302020204030204" pitchFamily="34" charset="0"/>
               </a:rPr>
-              <a:t> : 5)</a:t>
+              <a:t>: 5)</a:t>
             </a:r>
             <a:endParaRPr kumimoji="0" lang="en-CA" sz="1200" b="0" i="1" u="none" strike="noStrike" kern="1200" cap="none" spc="0" normalizeH="0" baseline="0" noProof="0" dirty="0">
               <a:ln>
@@ -28757,41 +28655,7 @@
                 <a:ea typeface="Calibri Light" panose="020F0302020204030204" pitchFamily="34" charset="0"/>
                 <a:cs typeface="Calibri Light" panose="020F0302020204030204" pitchFamily="34" charset="0"/>
               </a:rPr>
-              <a:t>And We desired to show </a:t>
-            </a:r>
-            <a:r>
-              <a:rPr kumimoji="0" lang="en-US" sz="1400" b="0" i="1" u="none" strike="noStrike" kern="1200" cap="none" spc="0" normalizeH="0" baseline="0" noProof="0" dirty="0" err="1">
-                <a:ln>
-                  <a:noFill/>
-                </a:ln>
-                <a:solidFill>
-                  <a:srgbClr val="127274"/>
-                </a:solidFill>
-                <a:effectLst/>
-                <a:uLnTx/>
-                <a:uFillTx/>
-                <a:latin typeface="Calibri Light" panose="020F0302020204030204" pitchFamily="34" charset="0"/>
-                <a:ea typeface="Calibri Light" panose="020F0302020204030204" pitchFamily="34" charset="0"/>
-                <a:cs typeface="Calibri Light" panose="020F0302020204030204" pitchFamily="34" charset="0"/>
-              </a:rPr>
-              <a:t>favour</a:t>
-            </a:r>
-            <a:r>
-              <a:rPr kumimoji="0" lang="en-US" sz="1400" b="0" i="1" u="none" strike="noStrike" kern="1200" cap="none" spc="0" normalizeH="0" baseline="0" noProof="0" dirty="0">
-                <a:ln>
-                  <a:noFill/>
-                </a:ln>
-                <a:solidFill>
-                  <a:srgbClr val="127274"/>
-                </a:solidFill>
-                <a:effectLst/>
-                <a:uLnTx/>
-                <a:uFillTx/>
-                <a:latin typeface="Calibri Light" panose="020F0302020204030204" pitchFamily="34" charset="0"/>
-                <a:ea typeface="Calibri Light" panose="020F0302020204030204" pitchFamily="34" charset="0"/>
-                <a:cs typeface="Calibri Light" panose="020F0302020204030204" pitchFamily="34" charset="0"/>
-              </a:rPr>
-              <a:t> upon those who were abased in the land, </a:t>
+              <a:t>And We desired to show favor upon those who were abased in the land, </a:t>
             </a:r>
           </a:p>
           <a:p>
@@ -28897,7 +28761,7 @@
                 <a:ea typeface="Calibri Light" panose="020F0302020204030204" pitchFamily="34" charset="0"/>
                 <a:cs typeface="Calibri Light" panose="020F0302020204030204" pitchFamily="34" charset="0"/>
               </a:rPr>
-              <a:t> : 5)</a:t>
+              <a:t>: 5)</a:t>
             </a:r>
             <a:endParaRPr kumimoji="0" lang="en-CA" sz="1200" b="0" i="1" u="none" strike="noStrike" kern="1200" cap="none" spc="0" normalizeH="0" baseline="0" noProof="0" dirty="0">
               <a:ln>
@@ -30240,41 +30104,7 @@
                 <a:ea typeface="Calibri Light" panose="020F0302020204030204" pitchFamily="34" charset="0"/>
                 <a:cs typeface="Calibri Light" panose="020F0302020204030204" pitchFamily="34" charset="0"/>
               </a:rPr>
-              <a:t>And We desired to show </a:t>
-            </a:r>
-            <a:r>
-              <a:rPr kumimoji="0" lang="en-US" sz="1400" b="0" i="1" u="none" strike="noStrike" kern="1200" cap="none" spc="0" normalizeH="0" baseline="0" noProof="0" dirty="0" err="1">
-                <a:ln>
-                  <a:noFill/>
-                </a:ln>
-                <a:solidFill>
-                  <a:srgbClr val="127274"/>
-                </a:solidFill>
-                <a:effectLst/>
-                <a:uLnTx/>
-                <a:uFillTx/>
-                <a:latin typeface="Calibri Light" panose="020F0302020204030204" pitchFamily="34" charset="0"/>
-                <a:ea typeface="Calibri Light" panose="020F0302020204030204" pitchFamily="34" charset="0"/>
-                <a:cs typeface="Calibri Light" panose="020F0302020204030204" pitchFamily="34" charset="0"/>
-              </a:rPr>
-              <a:t>favour</a:t>
-            </a:r>
-            <a:r>
-              <a:rPr kumimoji="0" lang="en-US" sz="1400" b="0" i="1" u="none" strike="noStrike" kern="1200" cap="none" spc="0" normalizeH="0" baseline="0" noProof="0" dirty="0">
-                <a:ln>
-                  <a:noFill/>
-                </a:ln>
-                <a:solidFill>
-                  <a:srgbClr val="127274"/>
-                </a:solidFill>
-                <a:effectLst/>
-                <a:uLnTx/>
-                <a:uFillTx/>
-                <a:latin typeface="Calibri Light" panose="020F0302020204030204" pitchFamily="34" charset="0"/>
-                <a:ea typeface="Calibri Light" panose="020F0302020204030204" pitchFamily="34" charset="0"/>
-                <a:cs typeface="Calibri Light" panose="020F0302020204030204" pitchFamily="34" charset="0"/>
-              </a:rPr>
-              <a:t> upon those who were abased in the land, </a:t>
+              <a:t>And We desired to show favor upon those who were abased in the land, </a:t>
             </a:r>
           </a:p>
           <a:p>
@@ -30380,7 +30210,7 @@
                 <a:ea typeface="Calibri Light" panose="020F0302020204030204" pitchFamily="34" charset="0"/>
                 <a:cs typeface="Calibri Light" panose="020F0302020204030204" pitchFamily="34" charset="0"/>
               </a:rPr>
-              <a:t> : 5)</a:t>
+              <a:t>: 5)</a:t>
             </a:r>
             <a:endParaRPr kumimoji="0" lang="en-CA" sz="1200" b="0" i="1" u="none" strike="noStrike" kern="1200" cap="none" spc="0" normalizeH="0" baseline="0" noProof="0" dirty="0">
               <a:ln>
